--- a/images/theory_analysis/Kubernetes_Authentication_OIDC/Kubernetes_Authentication_OIDC.pptx
+++ b/images/theory_analysis/Kubernetes_Authentication_OIDC/Kubernetes_Authentication_OIDC.pptx
@@ -4566,8 +4566,8 @@
         </p:nvSpPr>
         <p:spPr>
           <a:xfrm>
-            <a:off x="2199873" y="2030879"/>
-            <a:ext cx="923651" cy="246221"/>
+            <a:off x="2123728" y="1707654"/>
+            <a:ext cx="1045479" cy="553998"/>
           </a:xfrm>
           <a:prstGeom prst="rect">
             <a:avLst/>
@@ -4580,6 +4580,7 @@
           </a:bodyPr>
           <a:lstStyle/>
           <a:p>
+            <a:pPr algn="ctr"/>
             <a:r>
               <a:rPr lang="en-US" altLang="ko-KR" sz="1000">
                 <a:solidFill>
@@ -4587,6 +4588,28 @@
                 </a:solidFill>
               </a:rPr>
               <a:t>Authenticate</a:t>
+            </a:r>
+          </a:p>
+          <a:p>
+            <a:pPr algn="ctr"/>
+            <a:r>
+              <a:rPr lang="en-US" altLang="ko-KR" sz="1000">
+                <a:solidFill>
+                  <a:srgbClr val="C00000"/>
+                </a:solidFill>
+              </a:rPr>
+              <a:t>with client_id</a:t>
+            </a:r>
+          </a:p>
+          <a:p>
+            <a:pPr algn="ctr"/>
+            <a:r>
+              <a:rPr lang="en-US" altLang="ko-KR" sz="1000">
+                <a:solidFill>
+                  <a:srgbClr val="C00000"/>
+                </a:solidFill>
+              </a:rPr>
+              <a:t>&amp; client_secret</a:t>
             </a:r>
             <a:endParaRPr lang="ko-KR" altLang="en-US" sz="1000">
               <a:solidFill>

--- a/images/theory_analysis/Kubernetes_Authentication_OIDC/Kubernetes_Authentication_OIDC.pptx
+++ b/images/theory_analysis/Kubernetes_Authentication_OIDC/Kubernetes_Authentication_OIDC.pptx
@@ -5,13 +5,14 @@
     <p:sldMasterId id="2147483648" r:id="rId1"/>
   </p:sldMasterIdLst>
   <p:notesMasterIdLst>
-    <p:notesMasterId r:id="rId6"/>
+    <p:notesMasterId r:id="rId7"/>
   </p:notesMasterIdLst>
   <p:sldIdLst>
     <p:sldId id="431" r:id="rId2"/>
     <p:sldId id="429" r:id="rId3"/>
-    <p:sldId id="428" r:id="rId4"/>
-    <p:sldId id="430" r:id="rId5"/>
+    <p:sldId id="432" r:id="rId4"/>
+    <p:sldId id="428" r:id="rId5"/>
+    <p:sldId id="430" r:id="rId6"/>
   </p:sldIdLst>
   <p:sldSz cx="9144000" cy="5143500" type="screen16x9"/>
   <p:notesSz cx="6858000" cy="9144000"/>
@@ -216,7 +217,7 @@
           <a:p>
             <a:fld id="{6CD5550B-26C4-49A9-A5BA-636EF7BE6CE9}" type="datetimeFigureOut">
               <a:rPr lang="ko-KR" altLang="en-US" smtClean="0"/>
-              <a:t>2021-05-01</a:t>
+              <a:t>2021-05-02</a:t>
             </a:fld>
             <a:endParaRPr lang="ko-KR" altLang="en-US"/>
           </a:p>
@@ -641,7 +642,7 @@
     </p:spTree>
     <p:extLst>
       <p:ext uri="{BB962C8B-B14F-4D97-AF65-F5344CB8AC3E}">
-        <p14:creationId xmlns:p14="http://schemas.microsoft.com/office/powerpoint/2010/main" val="2956297949"/>
+        <p14:creationId xmlns:p14="http://schemas.microsoft.com/office/powerpoint/2010/main" val="2915013355"/>
       </p:ext>
     </p:extLst>
   </p:cSld>
@@ -717,6 +718,90 @@
             <a:fld id="{BA5DFA43-8D57-47FB-BC46-057616015C3B}" type="slidenum">
               <a:rPr lang="ko-KR" altLang="en-US" smtClean="0"/>
               <a:t>4</a:t>
+            </a:fld>
+            <a:endParaRPr lang="ko-KR" altLang="en-US"/>
+          </a:p>
+        </p:txBody>
+      </p:sp>
+    </p:spTree>
+    <p:extLst>
+      <p:ext uri="{BB962C8B-B14F-4D97-AF65-F5344CB8AC3E}">
+        <p14:creationId xmlns:p14="http://schemas.microsoft.com/office/powerpoint/2010/main" val="2956297949"/>
+      </p:ext>
+    </p:extLst>
+  </p:cSld>
+  <p:clrMapOvr>
+    <a:masterClrMapping/>
+  </p:clrMapOvr>
+</p:notes>
+</file>
+
+<file path=ppt/notesSlides/notesSlide4.xml><?xml version="1.0" encoding="utf-8"?>
+<p:notes xmlns:a="http://schemas.openxmlformats.org/drawingml/2006/main" xmlns:r="http://schemas.openxmlformats.org/officeDocument/2006/relationships" xmlns:p="http://schemas.openxmlformats.org/presentationml/2006/main">
+  <p:cSld>
+    <p:spTree>
+      <p:nvGrpSpPr>
+        <p:cNvPr id="1" name=""/>
+        <p:cNvGrpSpPr/>
+        <p:nvPr/>
+      </p:nvGrpSpPr>
+      <p:grpSpPr>
+        <a:xfrm>
+          <a:off x="0" y="0"/>
+          <a:ext cx="0" cy="0"/>
+          <a:chOff x="0" y="0"/>
+          <a:chExt cx="0" cy="0"/>
+        </a:xfrm>
+      </p:grpSpPr>
+      <p:sp>
+        <p:nvSpPr>
+          <p:cNvPr id="2" name="슬라이드 이미지 개체 틀 1"/>
+          <p:cNvSpPr>
+            <a:spLocks noGrp="1" noRot="1" noChangeAspect="1"/>
+          </p:cNvSpPr>
+          <p:nvPr>
+            <p:ph type="sldImg"/>
+          </p:nvPr>
+        </p:nvSpPr>
+        <p:spPr/>
+      </p:sp>
+      <p:sp>
+        <p:nvSpPr>
+          <p:cNvPr id="3" name="슬라이드 노트 개체 틀 2"/>
+          <p:cNvSpPr>
+            <a:spLocks noGrp="1"/>
+          </p:cNvSpPr>
+          <p:nvPr>
+            <p:ph type="body" idx="1"/>
+          </p:nvPr>
+        </p:nvSpPr>
+        <p:spPr/>
+        <p:txBody>
+          <a:bodyPr/>
+          <a:lstStyle/>
+          <a:p>
+            <a:endParaRPr lang="ko-KR" altLang="en-US"/>
+          </a:p>
+        </p:txBody>
+      </p:sp>
+      <p:sp>
+        <p:nvSpPr>
+          <p:cNvPr id="4" name="슬라이드 번호 개체 틀 3"/>
+          <p:cNvSpPr>
+            <a:spLocks noGrp="1"/>
+          </p:cNvSpPr>
+          <p:nvPr>
+            <p:ph type="sldNum" sz="quarter" idx="5"/>
+          </p:nvPr>
+        </p:nvSpPr>
+        <p:spPr/>
+        <p:txBody>
+          <a:bodyPr/>
+          <a:lstStyle/>
+          <a:p>
+            <a:fld id="{BA5DFA43-8D57-47FB-BC46-057616015C3B}" type="slidenum">
+              <a:rPr lang="ko-KR" altLang="en-US" smtClean="0"/>
+              <a:t>5</a:t>
             </a:fld>
             <a:endParaRPr lang="ko-KR" altLang="en-US"/>
           </a:p>
@@ -914,7 +999,7 @@
           <a:p>
             <a:fld id="{FB30EDBD-1C2D-4C1E-B459-B60219FAB484}" type="datetimeFigureOut">
               <a:rPr lang="ko-KR" altLang="en-US" smtClean="0"/>
-              <a:t>2021-05-01</a:t>
+              <a:t>2021-05-02</a:t>
             </a:fld>
             <a:endParaRPr lang="ko-KR" altLang="en-US"/>
           </a:p>
@@ -1077,7 +1162,7 @@
           <a:p>
             <a:fld id="{FB30EDBD-1C2D-4C1E-B459-B60219FAB484}" type="datetimeFigureOut">
               <a:rPr lang="ko-KR" altLang="en-US" smtClean="0"/>
-              <a:t>2021-05-01</a:t>
+              <a:t>2021-05-02</a:t>
             </a:fld>
             <a:endParaRPr lang="ko-KR" altLang="en-US"/>
           </a:p>
@@ -1250,7 +1335,7 @@
           <a:p>
             <a:fld id="{FB30EDBD-1C2D-4C1E-B459-B60219FAB484}" type="datetimeFigureOut">
               <a:rPr lang="ko-KR" altLang="en-US" smtClean="0"/>
-              <a:t>2021-05-01</a:t>
+              <a:t>2021-05-02</a:t>
             </a:fld>
             <a:endParaRPr lang="ko-KR" altLang="en-US"/>
           </a:p>
@@ -1413,7 +1498,7 @@
           <a:p>
             <a:fld id="{FB30EDBD-1C2D-4C1E-B459-B60219FAB484}" type="datetimeFigureOut">
               <a:rPr lang="ko-KR" altLang="en-US" smtClean="0"/>
-              <a:t>2021-05-01</a:t>
+              <a:t>2021-05-02</a:t>
             </a:fld>
             <a:endParaRPr lang="ko-KR" altLang="en-US"/>
           </a:p>
@@ -1653,7 +1738,7 @@
           <a:p>
             <a:fld id="{FB30EDBD-1C2D-4C1E-B459-B60219FAB484}" type="datetimeFigureOut">
               <a:rPr lang="ko-KR" altLang="en-US" smtClean="0"/>
-              <a:t>2021-05-01</a:t>
+              <a:t>2021-05-02</a:t>
             </a:fld>
             <a:endParaRPr lang="ko-KR" altLang="en-US"/>
           </a:p>
@@ -1933,7 +2018,7 @@
           <a:p>
             <a:fld id="{FB30EDBD-1C2D-4C1E-B459-B60219FAB484}" type="datetimeFigureOut">
               <a:rPr lang="ko-KR" altLang="en-US" smtClean="0"/>
-              <a:t>2021-05-01</a:t>
+              <a:t>2021-05-02</a:t>
             </a:fld>
             <a:endParaRPr lang="ko-KR" altLang="en-US"/>
           </a:p>
@@ -2347,7 +2432,7 @@
           <a:p>
             <a:fld id="{FB30EDBD-1C2D-4C1E-B459-B60219FAB484}" type="datetimeFigureOut">
               <a:rPr lang="ko-KR" altLang="en-US" smtClean="0"/>
-              <a:t>2021-05-01</a:t>
+              <a:t>2021-05-02</a:t>
             </a:fld>
             <a:endParaRPr lang="ko-KR" altLang="en-US"/>
           </a:p>
@@ -2459,7 +2544,7 @@
           <a:p>
             <a:fld id="{FB30EDBD-1C2D-4C1E-B459-B60219FAB484}" type="datetimeFigureOut">
               <a:rPr lang="ko-KR" altLang="en-US" smtClean="0"/>
-              <a:t>2021-05-01</a:t>
+              <a:t>2021-05-02</a:t>
             </a:fld>
             <a:endParaRPr lang="ko-KR" altLang="en-US"/>
           </a:p>
@@ -2549,7 +2634,7 @@
           <a:p>
             <a:fld id="{FB30EDBD-1C2D-4C1E-B459-B60219FAB484}" type="datetimeFigureOut">
               <a:rPr lang="ko-KR" altLang="en-US" smtClean="0"/>
-              <a:t>2021-05-01</a:t>
+              <a:t>2021-05-02</a:t>
             </a:fld>
             <a:endParaRPr lang="ko-KR" altLang="en-US"/>
           </a:p>
@@ -2819,7 +2904,7 @@
           <a:p>
             <a:fld id="{FB30EDBD-1C2D-4C1E-B459-B60219FAB484}" type="datetimeFigureOut">
               <a:rPr lang="ko-KR" altLang="en-US" smtClean="0"/>
-              <a:t>2021-05-01</a:t>
+              <a:t>2021-05-02</a:t>
             </a:fld>
             <a:endParaRPr lang="ko-KR" altLang="en-US"/>
           </a:p>
@@ -3066,7 +3151,7 @@
           <a:p>
             <a:fld id="{FB30EDBD-1C2D-4C1E-B459-B60219FAB484}" type="datetimeFigureOut">
               <a:rPr lang="ko-KR" altLang="en-US" smtClean="0"/>
-              <a:t>2021-05-01</a:t>
+              <a:t>2021-05-02</a:t>
             </a:fld>
             <a:endParaRPr lang="ko-KR" altLang="en-US"/>
           </a:p>
@@ -3272,7 +3357,7 @@
           <a:p>
             <a:fld id="{FB30EDBD-1C2D-4C1E-B459-B60219FAB484}" type="datetimeFigureOut">
               <a:rPr lang="ko-KR" altLang="en-US" smtClean="0"/>
-              <a:t>2021-05-01</a:t>
+              <a:t>2021-05-02</a:t>
             </a:fld>
             <a:endParaRPr lang="ko-KR" altLang="en-US"/>
           </a:p>
@@ -3756,6 +3841,1244 @@
               <a:pPr algn="ctr"/>
               <a:r>
                 <a:rPr lang="en-US" altLang="ko-KR" sz="1200"/>
+                <a:t>Server CA Certificate</a:t>
+              </a:r>
+              <a:endParaRPr lang="ko-KR" altLang="en-US" sz="1200"/>
+            </a:p>
+          </p:txBody>
+        </p:sp>
+      </p:grpSp>
+      <p:sp>
+        <p:nvSpPr>
+          <p:cNvPr id="30" name="사각형: 둥근 모서리 29">
+            <a:extLst>
+              <a:ext uri="{FF2B5EF4-FFF2-40B4-BE49-F238E27FC236}">
+                <a16:creationId xmlns:a16="http://schemas.microsoft.com/office/drawing/2014/main" id="{CEA45CAC-42F7-4E07-A2A3-A99F7456BB38}"/>
+              </a:ext>
+            </a:extLst>
+          </p:cNvPr>
+          <p:cNvSpPr/>
+          <p:nvPr/>
+        </p:nvSpPr>
+        <p:spPr>
+          <a:xfrm>
+            <a:off x="3126018" y="915566"/>
+            <a:ext cx="2678972" cy="2880320"/>
+          </a:xfrm>
+          <a:prstGeom prst="roundRect">
+            <a:avLst>
+              <a:gd name="adj" fmla="val 6385"/>
+            </a:avLst>
+          </a:prstGeom>
+          <a:ln/>
+        </p:spPr>
+        <p:style>
+          <a:lnRef idx="2">
+            <a:schemeClr val="dk1"/>
+          </a:lnRef>
+          <a:fillRef idx="1">
+            <a:schemeClr val="lt1"/>
+          </a:fillRef>
+          <a:effectRef idx="0">
+            <a:schemeClr val="dk1"/>
+          </a:effectRef>
+          <a:fontRef idx="minor">
+            <a:schemeClr val="dk1"/>
+          </a:fontRef>
+        </p:style>
+        <p:txBody>
+          <a:bodyPr rtlCol="0" anchor="b"/>
+          <a:lstStyle/>
+          <a:p>
+            <a:pPr algn="ctr"/>
+            <a:r>
+              <a:rPr lang="en-US" altLang="ko-KR" sz="1400"/>
+              <a:t>K8s</a:t>
+            </a:r>
+            <a:r>
+              <a:rPr lang="ko-KR" altLang="en-US" sz="1400"/>
+              <a:t> </a:t>
+            </a:r>
+            <a:r>
+              <a:rPr lang="en-US" altLang="ko-KR" sz="1400"/>
+              <a:t>Client (kubectl)</a:t>
+            </a:r>
+          </a:p>
+        </p:txBody>
+      </p:sp>
+      <p:sp>
+        <p:nvSpPr>
+          <p:cNvPr id="31" name="사각형: 둥근 모서리 30">
+            <a:extLst>
+              <a:ext uri="{FF2B5EF4-FFF2-40B4-BE49-F238E27FC236}">
+                <a16:creationId xmlns:a16="http://schemas.microsoft.com/office/drawing/2014/main" id="{37F2D1D3-7253-48EA-AD64-DA4C2ABF4695}"/>
+              </a:ext>
+            </a:extLst>
+          </p:cNvPr>
+          <p:cNvSpPr/>
+          <p:nvPr/>
+        </p:nvSpPr>
+        <p:spPr>
+          <a:xfrm>
+            <a:off x="266196" y="2119946"/>
+            <a:ext cx="1947248" cy="471560"/>
+          </a:xfrm>
+          <a:prstGeom prst="roundRect">
+            <a:avLst>
+              <a:gd name="adj" fmla="val 24467"/>
+            </a:avLst>
+          </a:prstGeom>
+          <a:ln/>
+        </p:spPr>
+        <p:style>
+          <a:lnRef idx="2">
+            <a:schemeClr val="dk1"/>
+          </a:lnRef>
+          <a:fillRef idx="1">
+            <a:schemeClr val="lt1"/>
+          </a:fillRef>
+          <a:effectRef idx="0">
+            <a:schemeClr val="dk1"/>
+          </a:effectRef>
+          <a:fontRef idx="minor">
+            <a:schemeClr val="dk1"/>
+          </a:fontRef>
+        </p:style>
+        <p:txBody>
+          <a:bodyPr rtlCol="0" anchor="ctr"/>
+          <a:lstStyle/>
+          <a:p>
+            <a:pPr algn="ctr"/>
+            <a:r>
+              <a:rPr lang="en-US" altLang="ko-KR" sz="1400"/>
+              <a:t>Identity Provider</a:t>
+            </a:r>
+          </a:p>
+          <a:p>
+            <a:pPr algn="ctr"/>
+            <a:r>
+              <a:rPr lang="en-US" altLang="ko-KR" sz="1000"/>
+              <a:t>https://accounts.google.com</a:t>
+            </a:r>
+          </a:p>
+        </p:txBody>
+      </p:sp>
+      <p:sp>
+        <p:nvSpPr>
+          <p:cNvPr id="32" name="사각형: 둥근 모서리 31">
+            <a:extLst>
+              <a:ext uri="{FF2B5EF4-FFF2-40B4-BE49-F238E27FC236}">
+                <a16:creationId xmlns:a16="http://schemas.microsoft.com/office/drawing/2014/main" id="{45B70AC2-9C2A-4EF4-8F05-4C987D4D5A57}"/>
+              </a:ext>
+            </a:extLst>
+          </p:cNvPr>
+          <p:cNvSpPr/>
+          <p:nvPr/>
+        </p:nvSpPr>
+        <p:spPr>
+          <a:xfrm>
+            <a:off x="3244379" y="1059582"/>
+            <a:ext cx="2442250" cy="1990800"/>
+          </a:xfrm>
+          <a:prstGeom prst="roundRect">
+            <a:avLst>
+              <a:gd name="adj" fmla="val 5259"/>
+            </a:avLst>
+          </a:prstGeom>
+        </p:spPr>
+        <p:style>
+          <a:lnRef idx="2">
+            <a:schemeClr val="dk1"/>
+          </a:lnRef>
+          <a:fillRef idx="1">
+            <a:schemeClr val="lt1"/>
+          </a:fillRef>
+          <a:effectRef idx="0">
+            <a:schemeClr val="dk1"/>
+          </a:effectRef>
+          <a:fontRef idx="minor">
+            <a:schemeClr val="dk1"/>
+          </a:fontRef>
+        </p:style>
+        <p:txBody>
+          <a:bodyPr rtlCol="0" anchor="b"/>
+          <a:lstStyle/>
+          <a:p>
+            <a:pPr algn="ctr"/>
+            <a:r>
+              <a:rPr lang="en-US" altLang="ko-KR" sz="1200" b="1"/>
+              <a:t>ID</a:t>
+            </a:r>
+            <a:r>
+              <a:rPr lang="ko-KR" altLang="en-US" sz="1200" b="1"/>
+              <a:t> </a:t>
+            </a:r>
+            <a:r>
+              <a:rPr lang="en-US" altLang="ko-KR" sz="1200" b="1"/>
+              <a:t>Token (JWT)</a:t>
+            </a:r>
+            <a:endParaRPr lang="ko-KR" altLang="en-US" sz="1200" b="1"/>
+          </a:p>
+        </p:txBody>
+      </p:sp>
+      <p:sp>
+        <p:nvSpPr>
+          <p:cNvPr id="33" name="사각형: 둥근 모서리 32">
+            <a:extLst>
+              <a:ext uri="{FF2B5EF4-FFF2-40B4-BE49-F238E27FC236}">
+                <a16:creationId xmlns:a16="http://schemas.microsoft.com/office/drawing/2014/main" id="{35973A22-7336-4813-B1CB-1DDBBC76E425}"/>
+              </a:ext>
+            </a:extLst>
+          </p:cNvPr>
+          <p:cNvSpPr/>
+          <p:nvPr/>
+        </p:nvSpPr>
+        <p:spPr>
+          <a:xfrm>
+            <a:off x="3348690" y="1211585"/>
+            <a:ext cx="2233628" cy="1562266"/>
+          </a:xfrm>
+          <a:prstGeom prst="roundRect">
+            <a:avLst>
+              <a:gd name="adj" fmla="val 7198"/>
+            </a:avLst>
+          </a:prstGeom>
+        </p:spPr>
+        <p:style>
+          <a:lnRef idx="2">
+            <a:schemeClr val="dk1"/>
+          </a:lnRef>
+          <a:fillRef idx="1">
+            <a:schemeClr val="lt1"/>
+          </a:fillRef>
+          <a:effectRef idx="0">
+            <a:schemeClr val="dk1"/>
+          </a:effectRef>
+          <a:fontRef idx="minor">
+            <a:schemeClr val="dk1"/>
+          </a:fontRef>
+        </p:style>
+        <p:txBody>
+          <a:bodyPr rtlCol="0" anchor="ctr"/>
+          <a:lstStyle/>
+          <a:p>
+            <a:r>
+              <a:rPr lang="en-US" altLang="ko-KR" sz="900"/>
+              <a:t>{</a:t>
+            </a:r>
+          </a:p>
+          <a:p>
+            <a:r>
+              <a:rPr lang="en-US" altLang="ko-KR" sz="900"/>
+              <a:t>  "iss": "https://accounts.google.com",</a:t>
+            </a:r>
+          </a:p>
+          <a:p>
+            <a:r>
+              <a:rPr lang="en-US" altLang="ko-KR" sz="900"/>
+              <a:t>  "aud": "&lt;client_id&gt;",</a:t>
+            </a:r>
+          </a:p>
+          <a:p>
+            <a:r>
+              <a:rPr lang="en-US" altLang="ko-KR" sz="900"/>
+              <a:t>  "sub": "ssup2",</a:t>
+            </a:r>
+          </a:p>
+          <a:p>
+            <a:r>
+              <a:rPr lang="en-US" altLang="ko-KR" sz="900"/>
+              <a:t>  "exp": 1619878873</a:t>
+            </a:r>
+          </a:p>
+          <a:p>
+            <a:r>
+              <a:rPr lang="en-US" altLang="ko-KR" sz="900"/>
+              <a:t>  "groups" : [</a:t>
+            </a:r>
+          </a:p>
+          <a:p>
+            <a:r>
+              <a:rPr lang="en-US" altLang="ko-KR" sz="900"/>
+              <a:t>     "system:masters", "kube"</a:t>
+            </a:r>
+          </a:p>
+          <a:p>
+            <a:r>
+              <a:rPr lang="en-US" altLang="ko-KR" sz="900"/>
+              <a:t>   ]</a:t>
+            </a:r>
+          </a:p>
+          <a:p>
+            <a:r>
+              <a:rPr lang="en-US" altLang="ko-KR" sz="900"/>
+              <a:t>  …</a:t>
+            </a:r>
+          </a:p>
+          <a:p>
+            <a:r>
+              <a:rPr lang="en-US" altLang="ko-KR" sz="900"/>
+              <a:t>}</a:t>
+            </a:r>
+          </a:p>
+        </p:txBody>
+      </p:sp>
+      <p:sp>
+        <p:nvSpPr>
+          <p:cNvPr id="34" name="사각형: 둥근 모서리 33">
+            <a:extLst>
+              <a:ext uri="{FF2B5EF4-FFF2-40B4-BE49-F238E27FC236}">
+                <a16:creationId xmlns:a16="http://schemas.microsoft.com/office/drawing/2014/main" id="{B1C37D18-4697-4396-AF01-1CF37849540B}"/>
+              </a:ext>
+            </a:extLst>
+          </p:cNvPr>
+          <p:cNvSpPr/>
+          <p:nvPr/>
+        </p:nvSpPr>
+        <p:spPr>
+          <a:xfrm>
+            <a:off x="3244379" y="3146602"/>
+            <a:ext cx="2442250" cy="276532"/>
+          </a:xfrm>
+          <a:prstGeom prst="roundRect">
+            <a:avLst>
+              <a:gd name="adj" fmla="val 18002"/>
+            </a:avLst>
+          </a:prstGeom>
+        </p:spPr>
+        <p:style>
+          <a:lnRef idx="2">
+            <a:schemeClr val="dk1"/>
+          </a:lnRef>
+          <a:fillRef idx="1">
+            <a:schemeClr val="lt1"/>
+          </a:fillRef>
+          <a:effectRef idx="0">
+            <a:schemeClr val="dk1"/>
+          </a:effectRef>
+          <a:fontRef idx="minor">
+            <a:schemeClr val="dk1"/>
+          </a:fontRef>
+        </p:style>
+        <p:txBody>
+          <a:bodyPr rtlCol="0" anchor="ctr"/>
+          <a:lstStyle/>
+          <a:p>
+            <a:pPr algn="ctr"/>
+            <a:r>
+              <a:rPr lang="en-US" altLang="ko-KR" sz="1200"/>
+              <a:t>Server CA Certificate</a:t>
+            </a:r>
+            <a:endParaRPr lang="ko-KR" altLang="en-US" sz="1200"/>
+          </a:p>
+        </p:txBody>
+      </p:sp>
+      <p:grpSp>
+        <p:nvGrpSpPr>
+          <p:cNvPr id="35" name="그룹 34">
+            <a:extLst>
+              <a:ext uri="{FF2B5EF4-FFF2-40B4-BE49-F238E27FC236}">
+                <a16:creationId xmlns:a16="http://schemas.microsoft.com/office/drawing/2014/main" id="{A6AC2C00-DF0B-4ED5-B2A2-6B83ECD10F14}"/>
+              </a:ext>
+            </a:extLst>
+          </p:cNvPr>
+          <p:cNvGrpSpPr/>
+          <p:nvPr/>
+        </p:nvGrpSpPr>
+        <p:grpSpPr>
+          <a:xfrm>
+            <a:off x="576417" y="2716844"/>
+            <a:ext cx="1358866" cy="477570"/>
+            <a:chOff x="539552" y="471800"/>
+            <a:chExt cx="1358866" cy="498634"/>
+          </a:xfrm>
+        </p:grpSpPr>
+        <p:cxnSp>
+          <p:nvCxnSpPr>
+            <p:cNvPr id="36" name="직선 화살표 연결선 35">
+              <a:extLst>
+                <a:ext uri="{FF2B5EF4-FFF2-40B4-BE49-F238E27FC236}">
+                  <a16:creationId xmlns:a16="http://schemas.microsoft.com/office/drawing/2014/main" id="{2D1114DF-B604-49D0-8EFB-AC82ED019108}"/>
+                </a:ext>
+              </a:extLst>
+            </p:cNvPr>
+            <p:cNvCxnSpPr>
+              <a:cxnSpLocks/>
+            </p:cNvCxnSpPr>
+            <p:nvPr/>
+          </p:nvCxnSpPr>
+          <p:spPr>
+            <a:xfrm flipH="1">
+              <a:off x="546103" y="595607"/>
+              <a:ext cx="381714" cy="0"/>
+            </a:xfrm>
+            <a:prstGeom prst="straightConnector1">
+              <a:avLst/>
+            </a:prstGeom>
+            <a:ln w="19050">
+              <a:solidFill>
+                <a:srgbClr val="C00000"/>
+              </a:solidFill>
+              <a:headEnd type="arrow" w="med" len="med"/>
+              <a:tailEnd type="none" w="med" len="med"/>
+            </a:ln>
+          </p:spPr>
+          <p:style>
+            <a:lnRef idx="1">
+              <a:schemeClr val="accent1"/>
+            </a:lnRef>
+            <a:fillRef idx="0">
+              <a:schemeClr val="accent1"/>
+            </a:fillRef>
+            <a:effectRef idx="0">
+              <a:schemeClr val="accent1"/>
+            </a:effectRef>
+            <a:fontRef idx="minor">
+              <a:schemeClr val="tx1"/>
+            </a:fontRef>
+          </p:style>
+        </p:cxnSp>
+        <p:sp>
+          <p:nvSpPr>
+            <p:cNvPr id="37" name="TextBox 36">
+              <a:extLst>
+                <a:ext uri="{FF2B5EF4-FFF2-40B4-BE49-F238E27FC236}">
+                  <a16:creationId xmlns:a16="http://schemas.microsoft.com/office/drawing/2014/main" id="{C8BB3455-8B7B-4ABE-B57A-442968475A64}"/>
+                </a:ext>
+              </a:extLst>
+            </p:cNvPr>
+            <p:cNvSpPr txBox="1"/>
+            <p:nvPr/>
+          </p:nvSpPr>
+          <p:spPr>
+            <a:xfrm>
+              <a:off x="936434" y="471800"/>
+              <a:ext cx="957313" cy="257081"/>
+            </a:xfrm>
+            <a:prstGeom prst="rect">
+              <a:avLst/>
+            </a:prstGeom>
+            <a:noFill/>
+          </p:spPr>
+          <p:txBody>
+            <a:bodyPr wrap="none" rtlCol="0">
+              <a:spAutoFit/>
+            </a:bodyPr>
+            <a:lstStyle/>
+            <a:p>
+              <a:r>
+                <a:rPr lang="en-US" altLang="ko-KR" sz="1000"/>
+                <a:t>Get ID Token</a:t>
+              </a:r>
+              <a:endParaRPr lang="ko-KR" altLang="en-US" sz="1000"/>
+            </a:p>
+          </p:txBody>
+        </p:sp>
+        <p:cxnSp>
+          <p:nvCxnSpPr>
+            <p:cNvPr id="38" name="직선 화살표 연결선 37">
+              <a:extLst>
+                <a:ext uri="{FF2B5EF4-FFF2-40B4-BE49-F238E27FC236}">
+                  <a16:creationId xmlns:a16="http://schemas.microsoft.com/office/drawing/2014/main" id="{1F1B097C-933C-4D6C-B7F9-5BD6555178FC}"/>
+                </a:ext>
+              </a:extLst>
+            </p:cNvPr>
+            <p:cNvCxnSpPr>
+              <a:cxnSpLocks/>
+            </p:cNvCxnSpPr>
+            <p:nvPr/>
+          </p:nvCxnSpPr>
+          <p:spPr>
+            <a:xfrm flipH="1">
+              <a:off x="539552" y="837160"/>
+              <a:ext cx="381714" cy="0"/>
+            </a:xfrm>
+            <a:prstGeom prst="straightConnector1">
+              <a:avLst/>
+            </a:prstGeom>
+            <a:ln w="19050">
+              <a:solidFill>
+                <a:schemeClr val="tx2"/>
+              </a:solidFill>
+              <a:headEnd type="arrow" w="med" len="med"/>
+              <a:tailEnd type="none" w="med" len="med"/>
+            </a:ln>
+          </p:spPr>
+          <p:style>
+            <a:lnRef idx="1">
+              <a:schemeClr val="accent1"/>
+            </a:lnRef>
+            <a:fillRef idx="0">
+              <a:schemeClr val="accent1"/>
+            </a:fillRef>
+            <a:effectRef idx="0">
+              <a:schemeClr val="accent1"/>
+            </a:effectRef>
+            <a:fontRef idx="minor">
+              <a:schemeClr val="tx1"/>
+            </a:fontRef>
+          </p:style>
+        </p:cxnSp>
+        <p:sp>
+          <p:nvSpPr>
+            <p:cNvPr id="39" name="TextBox 38">
+              <a:extLst>
+                <a:ext uri="{FF2B5EF4-FFF2-40B4-BE49-F238E27FC236}">
+                  <a16:creationId xmlns:a16="http://schemas.microsoft.com/office/drawing/2014/main" id="{85CE73B4-C58B-407F-B7BD-A7F2A06E50B7}"/>
+                </a:ext>
+              </a:extLst>
+            </p:cNvPr>
+            <p:cNvSpPr txBox="1"/>
+            <p:nvPr/>
+          </p:nvSpPr>
+          <p:spPr>
+            <a:xfrm>
+              <a:off x="929883" y="713353"/>
+              <a:ext cx="968535" cy="257081"/>
+            </a:xfrm>
+            <a:prstGeom prst="rect">
+              <a:avLst/>
+            </a:prstGeom>
+            <a:noFill/>
+          </p:spPr>
+          <p:txBody>
+            <a:bodyPr wrap="none" rtlCol="0">
+              <a:spAutoFit/>
+            </a:bodyPr>
+            <a:lstStyle/>
+            <a:p>
+              <a:r>
+                <a:rPr lang="en-US" altLang="ko-KR" sz="1000"/>
+                <a:t>Use ID Token</a:t>
+              </a:r>
+              <a:endParaRPr lang="ko-KR" altLang="en-US" sz="1000"/>
+            </a:p>
+          </p:txBody>
+        </p:sp>
+      </p:grpSp>
+      <p:cxnSp>
+        <p:nvCxnSpPr>
+          <p:cNvPr id="40" name="직선 화살표 연결선 39">
+            <a:extLst>
+              <a:ext uri="{FF2B5EF4-FFF2-40B4-BE49-F238E27FC236}">
+                <a16:creationId xmlns:a16="http://schemas.microsoft.com/office/drawing/2014/main" id="{E76E031D-1632-44B5-8416-D4B236833C08}"/>
+              </a:ext>
+            </a:extLst>
+          </p:cNvPr>
+          <p:cNvCxnSpPr>
+            <a:cxnSpLocks/>
+          </p:cNvCxnSpPr>
+          <p:nvPr/>
+        </p:nvCxnSpPr>
+        <p:spPr>
+          <a:xfrm>
+            <a:off x="2213444" y="2283718"/>
+            <a:ext cx="912574" cy="0"/>
+          </a:xfrm>
+          <a:prstGeom prst="straightConnector1">
+            <a:avLst/>
+          </a:prstGeom>
+          <a:ln w="19050">
+            <a:solidFill>
+              <a:srgbClr val="C00000"/>
+            </a:solidFill>
+            <a:headEnd type="arrow" w="med" len="med"/>
+            <a:tailEnd type="none" w="med" len="med"/>
+          </a:ln>
+        </p:spPr>
+        <p:style>
+          <a:lnRef idx="1">
+            <a:schemeClr val="accent1"/>
+          </a:lnRef>
+          <a:fillRef idx="0">
+            <a:schemeClr val="accent1"/>
+          </a:fillRef>
+          <a:effectRef idx="0">
+            <a:schemeClr val="accent1"/>
+          </a:effectRef>
+          <a:fontRef idx="minor">
+            <a:schemeClr val="tx1"/>
+          </a:fontRef>
+        </p:style>
+      </p:cxnSp>
+      <p:cxnSp>
+        <p:nvCxnSpPr>
+          <p:cNvPr id="19" name="직선 화살표 연결선 18">
+            <a:extLst>
+              <a:ext uri="{FF2B5EF4-FFF2-40B4-BE49-F238E27FC236}">
+                <a16:creationId xmlns:a16="http://schemas.microsoft.com/office/drawing/2014/main" id="{9D822F56-5784-4192-B816-ADAC7E9C2454}"/>
+              </a:ext>
+            </a:extLst>
+          </p:cNvPr>
+          <p:cNvCxnSpPr>
+            <a:cxnSpLocks/>
+          </p:cNvCxnSpPr>
+          <p:nvPr/>
+        </p:nvCxnSpPr>
+        <p:spPr>
+          <a:xfrm flipH="1">
+            <a:off x="2213444" y="2427734"/>
+            <a:ext cx="912574" cy="0"/>
+          </a:xfrm>
+          <a:prstGeom prst="straightConnector1">
+            <a:avLst/>
+          </a:prstGeom>
+          <a:ln w="19050">
+            <a:solidFill>
+              <a:srgbClr val="C00000"/>
+            </a:solidFill>
+            <a:headEnd type="arrow" w="med" len="med"/>
+            <a:tailEnd type="none" w="med" len="med"/>
+          </a:ln>
+        </p:spPr>
+        <p:style>
+          <a:lnRef idx="1">
+            <a:schemeClr val="accent1"/>
+          </a:lnRef>
+          <a:fillRef idx="0">
+            <a:schemeClr val="accent1"/>
+          </a:fillRef>
+          <a:effectRef idx="0">
+            <a:schemeClr val="accent1"/>
+          </a:effectRef>
+          <a:fontRef idx="minor">
+            <a:schemeClr val="tx1"/>
+          </a:fontRef>
+        </p:style>
+      </p:cxnSp>
+      <p:cxnSp>
+        <p:nvCxnSpPr>
+          <p:cNvPr id="23" name="직선 화살표 연결선 22">
+            <a:extLst>
+              <a:ext uri="{FF2B5EF4-FFF2-40B4-BE49-F238E27FC236}">
+                <a16:creationId xmlns:a16="http://schemas.microsoft.com/office/drawing/2014/main" id="{78401F91-6854-4842-9ADE-F692FC8B681F}"/>
+              </a:ext>
+            </a:extLst>
+          </p:cNvPr>
+          <p:cNvCxnSpPr>
+            <a:cxnSpLocks/>
+            <a:stCxn id="70" idx="1"/>
+            <a:endCxn id="30" idx="3"/>
+          </p:cNvCxnSpPr>
+          <p:nvPr/>
+        </p:nvCxnSpPr>
+        <p:spPr>
+          <a:xfrm flipH="1">
+            <a:off x="5804990" y="2355726"/>
+            <a:ext cx="912574" cy="0"/>
+          </a:xfrm>
+          <a:prstGeom prst="straightConnector1">
+            <a:avLst/>
+          </a:prstGeom>
+          <a:ln w="19050">
+            <a:solidFill>
+              <a:schemeClr val="tx2"/>
+            </a:solidFill>
+            <a:headEnd type="arrow" w="med" len="med"/>
+            <a:tailEnd type="none" w="med" len="med"/>
+          </a:ln>
+        </p:spPr>
+        <p:style>
+          <a:lnRef idx="1">
+            <a:schemeClr val="accent1"/>
+          </a:lnRef>
+          <a:fillRef idx="0">
+            <a:schemeClr val="accent1"/>
+          </a:fillRef>
+          <a:effectRef idx="0">
+            <a:schemeClr val="accent1"/>
+          </a:effectRef>
+          <a:fontRef idx="minor">
+            <a:schemeClr val="tx1"/>
+          </a:fontRef>
+        </p:style>
+      </p:cxnSp>
+      <p:sp>
+        <p:nvSpPr>
+          <p:cNvPr id="41" name="타원 40">
+            <a:extLst>
+              <a:ext uri="{FF2B5EF4-FFF2-40B4-BE49-F238E27FC236}">
+                <a16:creationId xmlns:a16="http://schemas.microsoft.com/office/drawing/2014/main" id="{BDE9572D-70E4-4C3D-B1D2-686E5FD0F307}"/>
+              </a:ext>
+            </a:extLst>
+          </p:cNvPr>
+          <p:cNvSpPr/>
+          <p:nvPr/>
+        </p:nvSpPr>
+        <p:spPr>
+          <a:xfrm>
+            <a:off x="3019089" y="2177085"/>
+            <a:ext cx="222672" cy="213266"/>
+          </a:xfrm>
+          <a:prstGeom prst="ellipse">
+            <a:avLst/>
+          </a:prstGeom>
+          <a:ln w="19050">
+            <a:solidFill>
+              <a:srgbClr val="C00000"/>
+            </a:solidFill>
+          </a:ln>
+        </p:spPr>
+        <p:style>
+          <a:lnRef idx="2">
+            <a:schemeClr val="accent2"/>
+          </a:lnRef>
+          <a:fillRef idx="1">
+            <a:schemeClr val="lt1"/>
+          </a:fillRef>
+          <a:effectRef idx="0">
+            <a:schemeClr val="accent2"/>
+          </a:effectRef>
+          <a:fontRef idx="minor">
+            <a:schemeClr val="dk1"/>
+          </a:fontRef>
+        </p:style>
+        <p:txBody>
+          <a:bodyPr rtlCol="0" anchor="ctr"/>
+          <a:lstStyle/>
+          <a:p>
+            <a:pPr algn="ctr"/>
+            <a:r>
+              <a:rPr lang="en-US" altLang="ko-KR" sz="1000"/>
+              <a:t>1</a:t>
+            </a:r>
+            <a:endParaRPr lang="ko-KR" altLang="en-US" sz="1000"/>
+          </a:p>
+        </p:txBody>
+      </p:sp>
+      <p:sp>
+        <p:nvSpPr>
+          <p:cNvPr id="42" name="타원 41">
+            <a:extLst>
+              <a:ext uri="{FF2B5EF4-FFF2-40B4-BE49-F238E27FC236}">
+                <a16:creationId xmlns:a16="http://schemas.microsoft.com/office/drawing/2014/main" id="{5DC687BB-04C5-4C27-A352-2463BDEBBE8E}"/>
+              </a:ext>
+            </a:extLst>
+          </p:cNvPr>
+          <p:cNvSpPr/>
+          <p:nvPr/>
+        </p:nvSpPr>
+        <p:spPr>
+          <a:xfrm>
+            <a:off x="2081393" y="2321101"/>
+            <a:ext cx="222672" cy="213266"/>
+          </a:xfrm>
+          <a:prstGeom prst="ellipse">
+            <a:avLst/>
+          </a:prstGeom>
+          <a:ln w="19050">
+            <a:solidFill>
+              <a:srgbClr val="C00000"/>
+            </a:solidFill>
+          </a:ln>
+        </p:spPr>
+        <p:style>
+          <a:lnRef idx="2">
+            <a:schemeClr val="accent2"/>
+          </a:lnRef>
+          <a:fillRef idx="1">
+            <a:schemeClr val="lt1"/>
+          </a:fillRef>
+          <a:effectRef idx="0">
+            <a:schemeClr val="accent2"/>
+          </a:effectRef>
+          <a:fontRef idx="minor">
+            <a:schemeClr val="dk1"/>
+          </a:fontRef>
+        </p:style>
+        <p:txBody>
+          <a:bodyPr rtlCol="0" anchor="ctr"/>
+          <a:lstStyle/>
+          <a:p>
+            <a:pPr algn="ctr"/>
+            <a:r>
+              <a:rPr lang="en-US" altLang="ko-KR" sz="1000"/>
+              <a:t>2</a:t>
+            </a:r>
+            <a:endParaRPr lang="ko-KR" altLang="en-US" sz="1000"/>
+          </a:p>
+        </p:txBody>
+      </p:sp>
+      <p:sp>
+        <p:nvSpPr>
+          <p:cNvPr id="43" name="타원 42">
+            <a:extLst>
+              <a:ext uri="{FF2B5EF4-FFF2-40B4-BE49-F238E27FC236}">
+                <a16:creationId xmlns:a16="http://schemas.microsoft.com/office/drawing/2014/main" id="{27980718-B64A-41BB-B107-DD892108A21D}"/>
+              </a:ext>
+            </a:extLst>
+          </p:cNvPr>
+          <p:cNvSpPr/>
+          <p:nvPr/>
+        </p:nvSpPr>
+        <p:spPr>
+          <a:xfrm>
+            <a:off x="5677953" y="2249092"/>
+            <a:ext cx="222672" cy="213266"/>
+          </a:xfrm>
+          <a:prstGeom prst="ellipse">
+            <a:avLst/>
+          </a:prstGeom>
+          <a:ln w="19050">
+            <a:solidFill>
+              <a:schemeClr val="tx2"/>
+            </a:solidFill>
+          </a:ln>
+        </p:spPr>
+        <p:style>
+          <a:lnRef idx="2">
+            <a:schemeClr val="accent2"/>
+          </a:lnRef>
+          <a:fillRef idx="1">
+            <a:schemeClr val="lt1"/>
+          </a:fillRef>
+          <a:effectRef idx="0">
+            <a:schemeClr val="accent2"/>
+          </a:effectRef>
+          <a:fontRef idx="minor">
+            <a:schemeClr val="dk1"/>
+          </a:fontRef>
+        </p:style>
+        <p:txBody>
+          <a:bodyPr rtlCol="0" anchor="ctr"/>
+          <a:lstStyle/>
+          <a:p>
+            <a:pPr algn="ctr"/>
+            <a:r>
+              <a:rPr lang="en-US" altLang="ko-KR" sz="1000"/>
+              <a:t>1</a:t>
+            </a:r>
+            <a:endParaRPr lang="ko-KR" altLang="en-US" sz="1000"/>
+          </a:p>
+        </p:txBody>
+      </p:sp>
+      <p:sp>
+        <p:nvSpPr>
+          <p:cNvPr id="45" name="TextBox 44">
+            <a:extLst>
+              <a:ext uri="{FF2B5EF4-FFF2-40B4-BE49-F238E27FC236}">
+                <a16:creationId xmlns:a16="http://schemas.microsoft.com/office/drawing/2014/main" id="{50E8B762-65D0-481D-99CD-EEC839B8476D}"/>
+              </a:ext>
+            </a:extLst>
+          </p:cNvPr>
+          <p:cNvSpPr txBox="1"/>
+          <p:nvPr/>
+        </p:nvSpPr>
+        <p:spPr>
+          <a:xfrm>
+            <a:off x="2111706" y="1707654"/>
+            <a:ext cx="1069525" cy="553998"/>
+          </a:xfrm>
+          <a:prstGeom prst="rect">
+            <a:avLst/>
+          </a:prstGeom>
+          <a:noFill/>
+        </p:spPr>
+        <p:txBody>
+          <a:bodyPr wrap="none" rtlCol="0">
+            <a:spAutoFit/>
+          </a:bodyPr>
+          <a:lstStyle/>
+          <a:p>
+            <a:pPr algn="ctr"/>
+            <a:r>
+              <a:rPr lang="en-US" altLang="ko-KR" sz="1000">
+                <a:solidFill>
+                  <a:srgbClr val="C00000"/>
+                </a:solidFill>
+              </a:rPr>
+              <a:t>Authenticate</a:t>
+            </a:r>
+          </a:p>
+          <a:p>
+            <a:pPr algn="ctr"/>
+            <a:r>
+              <a:rPr lang="en-US" altLang="ko-KR" sz="1000">
+                <a:solidFill>
+                  <a:srgbClr val="C00000"/>
+                </a:solidFill>
+              </a:rPr>
+              <a:t>with Client ID</a:t>
+            </a:r>
+          </a:p>
+          <a:p>
+            <a:pPr algn="ctr"/>
+            <a:r>
+              <a:rPr lang="en-US" altLang="ko-KR" sz="1000">
+                <a:solidFill>
+                  <a:srgbClr val="C00000"/>
+                </a:solidFill>
+              </a:rPr>
+              <a:t>&amp; Client Secret</a:t>
+            </a:r>
+            <a:endParaRPr lang="ko-KR" altLang="en-US" sz="1000">
+              <a:solidFill>
+                <a:srgbClr val="C00000"/>
+              </a:solidFill>
+            </a:endParaRPr>
+          </a:p>
+        </p:txBody>
+      </p:sp>
+      <p:sp>
+        <p:nvSpPr>
+          <p:cNvPr id="47" name="TextBox 46">
+            <a:extLst>
+              <a:ext uri="{FF2B5EF4-FFF2-40B4-BE49-F238E27FC236}">
+                <a16:creationId xmlns:a16="http://schemas.microsoft.com/office/drawing/2014/main" id="{6F612718-557A-4819-9D47-916E91CCE1D3}"/>
+              </a:ext>
+            </a:extLst>
+          </p:cNvPr>
+          <p:cNvSpPr txBox="1"/>
+          <p:nvPr/>
+        </p:nvSpPr>
+        <p:spPr>
+          <a:xfrm>
+            <a:off x="2330090" y="2431129"/>
+            <a:ext cx="708848" cy="246221"/>
+          </a:xfrm>
+          <a:prstGeom prst="rect">
+            <a:avLst/>
+          </a:prstGeom>
+          <a:noFill/>
+        </p:spPr>
+        <p:txBody>
+          <a:bodyPr wrap="none" rtlCol="0">
+            <a:spAutoFit/>
+          </a:bodyPr>
+          <a:lstStyle/>
+          <a:p>
+            <a:r>
+              <a:rPr lang="en-US" altLang="ko-KR" sz="1000">
+                <a:solidFill>
+                  <a:srgbClr val="C00000"/>
+                </a:solidFill>
+              </a:rPr>
+              <a:t>ID Token</a:t>
+            </a:r>
+            <a:endParaRPr lang="ko-KR" altLang="en-US" sz="1000">
+              <a:solidFill>
+                <a:srgbClr val="C00000"/>
+              </a:solidFill>
+            </a:endParaRPr>
+          </a:p>
+        </p:txBody>
+      </p:sp>
+      <p:sp>
+        <p:nvSpPr>
+          <p:cNvPr id="48" name="TextBox 47">
+            <a:extLst>
+              <a:ext uri="{FF2B5EF4-FFF2-40B4-BE49-F238E27FC236}">
+                <a16:creationId xmlns:a16="http://schemas.microsoft.com/office/drawing/2014/main" id="{6A750C0D-4285-443D-A828-14FE369F3DDB}"/>
+              </a:ext>
+            </a:extLst>
+          </p:cNvPr>
+          <p:cNvSpPr txBox="1"/>
+          <p:nvPr/>
+        </p:nvSpPr>
+        <p:spPr>
+          <a:xfrm>
+            <a:off x="5922415" y="2118757"/>
+            <a:ext cx="708848" cy="246221"/>
+          </a:xfrm>
+          <a:prstGeom prst="rect">
+            <a:avLst/>
+          </a:prstGeom>
+          <a:noFill/>
+        </p:spPr>
+        <p:txBody>
+          <a:bodyPr wrap="none" rtlCol="0">
+            <a:spAutoFit/>
+          </a:bodyPr>
+          <a:lstStyle/>
+          <a:p>
+            <a:r>
+              <a:rPr lang="en-US" altLang="ko-KR" sz="1000">
+                <a:solidFill>
+                  <a:schemeClr val="tx2"/>
+                </a:solidFill>
+              </a:rPr>
+              <a:t>ID Token</a:t>
+            </a:r>
+            <a:endParaRPr lang="ko-KR" altLang="en-US" sz="1000">
+              <a:solidFill>
+                <a:schemeClr val="tx2"/>
+              </a:solidFill>
+            </a:endParaRPr>
+          </a:p>
+        </p:txBody>
+      </p:sp>
+      <p:sp>
+        <p:nvSpPr>
+          <p:cNvPr id="52" name="타원 51">
+            <a:extLst>
+              <a:ext uri="{FF2B5EF4-FFF2-40B4-BE49-F238E27FC236}">
+                <a16:creationId xmlns:a16="http://schemas.microsoft.com/office/drawing/2014/main" id="{2678F849-4D3F-4350-8810-E2F814F19533}"/>
+              </a:ext>
+            </a:extLst>
+          </p:cNvPr>
+          <p:cNvSpPr/>
+          <p:nvPr/>
+        </p:nvSpPr>
+        <p:spPr>
+          <a:xfrm>
+            <a:off x="6944127" y="1860480"/>
+            <a:ext cx="222672" cy="213266"/>
+          </a:xfrm>
+          <a:prstGeom prst="ellipse">
+            <a:avLst/>
+          </a:prstGeom>
+          <a:ln w="19050">
+            <a:solidFill>
+              <a:schemeClr val="tx2"/>
+            </a:solidFill>
+          </a:ln>
+        </p:spPr>
+        <p:style>
+          <a:lnRef idx="2">
+            <a:schemeClr val="accent2"/>
+          </a:lnRef>
+          <a:fillRef idx="1">
+            <a:schemeClr val="lt1"/>
+          </a:fillRef>
+          <a:effectRef idx="0">
+            <a:schemeClr val="accent2"/>
+          </a:effectRef>
+          <a:fontRef idx="minor">
+            <a:schemeClr val="dk1"/>
+          </a:fontRef>
+        </p:style>
+        <p:txBody>
+          <a:bodyPr rtlCol="0" anchor="ctr"/>
+          <a:lstStyle/>
+          <a:p>
+            <a:pPr algn="ctr"/>
+            <a:r>
+              <a:rPr lang="en-US" altLang="ko-KR" sz="1000"/>
+              <a:t>2</a:t>
+            </a:r>
+            <a:endParaRPr lang="ko-KR" altLang="en-US" sz="1000"/>
+          </a:p>
+        </p:txBody>
+      </p:sp>
+      <p:sp>
+        <p:nvSpPr>
+          <p:cNvPr id="53" name="TextBox 52">
+            <a:extLst>
+              <a:ext uri="{FF2B5EF4-FFF2-40B4-BE49-F238E27FC236}">
+                <a16:creationId xmlns:a16="http://schemas.microsoft.com/office/drawing/2014/main" id="{A021F850-88AC-4B5F-8895-F757E530151D}"/>
+              </a:ext>
+            </a:extLst>
+          </p:cNvPr>
+          <p:cNvSpPr txBox="1"/>
+          <p:nvPr/>
+        </p:nvSpPr>
+        <p:spPr>
+          <a:xfrm>
+            <a:off x="6442955" y="1605591"/>
+            <a:ext cx="1225015" cy="246221"/>
+          </a:xfrm>
+          <a:prstGeom prst="rect">
+            <a:avLst/>
+          </a:prstGeom>
+          <a:noFill/>
+        </p:spPr>
+        <p:txBody>
+          <a:bodyPr wrap="none" rtlCol="0">
+            <a:spAutoFit/>
+          </a:bodyPr>
+          <a:lstStyle/>
+          <a:p>
+            <a:pPr algn="ctr"/>
+            <a:r>
+              <a:rPr lang="en-US" altLang="ko-KR" sz="1000">
+                <a:solidFill>
+                  <a:schemeClr val="tx2"/>
+                </a:solidFill>
+              </a:rPr>
+              <a:t>Validate ID Token</a:t>
+            </a:r>
+            <a:endParaRPr lang="ko-KR" altLang="en-US" sz="1000">
+              <a:solidFill>
+                <a:schemeClr val="tx2"/>
+              </a:solidFill>
+            </a:endParaRPr>
+          </a:p>
+        </p:txBody>
+      </p:sp>
+    </p:spTree>
+    <p:extLst>
+      <p:ext uri="{BB962C8B-B14F-4D97-AF65-F5344CB8AC3E}">
+        <p14:creationId xmlns:p14="http://schemas.microsoft.com/office/powerpoint/2010/main" val="931707351"/>
+      </p:ext>
+    </p:extLst>
+  </p:cSld>
+  <p:clrMapOvr>
+    <a:masterClrMapping/>
+  </p:clrMapOvr>
+</p:sld>
+</file>
+
+<file path=ppt/slides/slide2.xml><?xml version="1.0" encoding="utf-8"?>
+<p:sld xmlns:a="http://schemas.openxmlformats.org/drawingml/2006/main" xmlns:r="http://schemas.openxmlformats.org/officeDocument/2006/relationships" xmlns:p="http://schemas.openxmlformats.org/presentationml/2006/main">
+  <p:cSld>
+    <p:spTree>
+      <p:nvGrpSpPr>
+        <p:cNvPr id="1" name=""/>
+        <p:cNvGrpSpPr/>
+        <p:nvPr/>
+      </p:nvGrpSpPr>
+      <p:grpSpPr>
+        <a:xfrm>
+          <a:off x="0" y="0"/>
+          <a:ext cx="0" cy="0"/>
+          <a:chOff x="0" y="0"/>
+          <a:chExt cx="0" cy="0"/>
+        </a:xfrm>
+      </p:grpSpPr>
+    </p:spTree>
+    <p:extLst>
+      <p:ext uri="{BB962C8B-B14F-4D97-AF65-F5344CB8AC3E}">
+        <p14:creationId xmlns:p14="http://schemas.microsoft.com/office/powerpoint/2010/main" val="2236869463"/>
+      </p:ext>
+    </p:extLst>
+  </p:cSld>
+  <p:clrMapOvr>
+    <a:masterClrMapping/>
+  </p:clrMapOvr>
+</p:sld>
+</file>
+
+<file path=ppt/slides/slide3.xml><?xml version="1.0" encoding="utf-8"?>
+<p:sld xmlns:a="http://schemas.openxmlformats.org/drawingml/2006/main" xmlns:r="http://schemas.openxmlformats.org/officeDocument/2006/relationships" xmlns:p="http://schemas.openxmlformats.org/presentationml/2006/main">
+  <p:cSld>
+    <p:spTree>
+      <p:nvGrpSpPr>
+        <p:cNvPr id="1" name=""/>
+        <p:cNvGrpSpPr/>
+        <p:nvPr/>
+      </p:nvGrpSpPr>
+      <p:grpSpPr>
+        <a:xfrm>
+          <a:off x="0" y="0"/>
+          <a:ext cx="0" cy="0"/>
+          <a:chOff x="0" y="0"/>
+          <a:chExt cx="0" cy="0"/>
+        </a:xfrm>
+      </p:grpSpPr>
+      <p:grpSp>
+        <p:nvGrpSpPr>
+          <p:cNvPr id="4" name="그룹 3">
+            <a:extLst>
+              <a:ext uri="{FF2B5EF4-FFF2-40B4-BE49-F238E27FC236}">
+                <a16:creationId xmlns:a16="http://schemas.microsoft.com/office/drawing/2014/main" id="{4FE85E53-1D41-4C8E-BFFD-A74B574B4305}"/>
+              </a:ext>
+            </a:extLst>
+          </p:cNvPr>
+          <p:cNvGrpSpPr/>
+          <p:nvPr/>
+        </p:nvGrpSpPr>
+        <p:grpSpPr>
+          <a:xfrm>
+            <a:off x="6717564" y="1994607"/>
+            <a:ext cx="2304256" cy="722237"/>
+            <a:chOff x="6516216" y="1987592"/>
+            <a:chExt cx="2304256" cy="722237"/>
+          </a:xfrm>
+        </p:grpSpPr>
+        <p:sp>
+          <p:nvSpPr>
+            <p:cNvPr id="70" name="사각형: 둥근 모서리 69">
+              <a:extLst>
+                <a:ext uri="{FF2B5EF4-FFF2-40B4-BE49-F238E27FC236}">
+                  <a16:creationId xmlns:a16="http://schemas.microsoft.com/office/drawing/2014/main" id="{C224F505-0E5D-4351-80F7-636BBC686FAC}"/>
+                </a:ext>
+              </a:extLst>
+            </p:cNvPr>
+            <p:cNvSpPr/>
+            <p:nvPr/>
+          </p:nvSpPr>
+          <p:spPr>
+            <a:xfrm>
+              <a:off x="6516216" y="1987592"/>
+              <a:ext cx="2304256" cy="722237"/>
+            </a:xfrm>
+            <a:prstGeom prst="roundRect">
+              <a:avLst>
+                <a:gd name="adj" fmla="val 9318"/>
+              </a:avLst>
+            </a:prstGeom>
+            <a:ln/>
+          </p:spPr>
+          <p:style>
+            <a:lnRef idx="2">
+              <a:schemeClr val="dk1"/>
+            </a:lnRef>
+            <a:fillRef idx="1">
+              <a:schemeClr val="lt1"/>
+            </a:fillRef>
+            <a:effectRef idx="0">
+              <a:schemeClr val="dk1"/>
+            </a:effectRef>
+            <a:fontRef idx="minor">
+              <a:schemeClr val="dk1"/>
+            </a:fontRef>
+          </p:style>
+          <p:txBody>
+            <a:bodyPr rtlCol="0" anchor="b"/>
+            <a:lstStyle/>
+            <a:p>
+              <a:pPr algn="ctr"/>
+              <a:r>
+                <a:rPr lang="en-US" altLang="ko-KR" sz="1400"/>
+                <a:t>K8s API Server</a:t>
+              </a:r>
+            </a:p>
+          </p:txBody>
+        </p:sp>
+        <p:sp>
+          <p:nvSpPr>
+            <p:cNvPr id="81" name="사각형: 둥근 모서리 80">
+              <a:extLst>
+                <a:ext uri="{FF2B5EF4-FFF2-40B4-BE49-F238E27FC236}">
+                  <a16:creationId xmlns:a16="http://schemas.microsoft.com/office/drawing/2014/main" id="{0542FD8E-809E-41FA-A6AB-CC5F43CBA177}"/>
+                </a:ext>
+              </a:extLst>
+            </p:cNvPr>
+            <p:cNvSpPr/>
+            <p:nvPr/>
+          </p:nvSpPr>
+          <p:spPr>
+            <a:xfrm>
+              <a:off x="6660232" y="2086108"/>
+              <a:ext cx="2016224" cy="276532"/>
+            </a:xfrm>
+            <a:prstGeom prst="roundRect">
+              <a:avLst>
+                <a:gd name="adj" fmla="val 18002"/>
+              </a:avLst>
+            </a:prstGeom>
+          </p:spPr>
+          <p:style>
+            <a:lnRef idx="2">
+              <a:schemeClr val="dk1"/>
+            </a:lnRef>
+            <a:fillRef idx="1">
+              <a:schemeClr val="lt1"/>
+            </a:fillRef>
+            <a:effectRef idx="0">
+              <a:schemeClr val="dk1"/>
+            </a:effectRef>
+            <a:fontRef idx="minor">
+              <a:schemeClr val="dk1"/>
+            </a:fontRef>
+          </p:style>
+          <p:txBody>
+            <a:bodyPr rtlCol="0" anchor="ctr"/>
+            <a:lstStyle/>
+            <a:p>
+              <a:pPr algn="ctr"/>
+              <a:r>
+                <a:rPr lang="en-US" altLang="ko-KR" sz="1200"/>
                 <a:t>server_ca.crt</a:t>
               </a:r>
               <a:endParaRPr lang="ko-KR" altLang="en-US" sz="1200"/>
@@ -4807,7 +6130,7 @@
     </p:spTree>
     <p:extLst>
       <p:ext uri="{BB962C8B-B14F-4D97-AF65-F5344CB8AC3E}">
-        <p14:creationId xmlns:p14="http://schemas.microsoft.com/office/powerpoint/2010/main" val="931707351"/>
+        <p14:creationId xmlns:p14="http://schemas.microsoft.com/office/powerpoint/2010/main" val="2406818738"/>
       </p:ext>
     </p:extLst>
   </p:cSld>
@@ -4817,37 +6140,7 @@
 </p:sld>
 </file>
 
-<file path=ppt/slides/slide2.xml><?xml version="1.0" encoding="utf-8"?>
-<p:sld xmlns:a="http://schemas.openxmlformats.org/drawingml/2006/main" xmlns:r="http://schemas.openxmlformats.org/officeDocument/2006/relationships" xmlns:p="http://schemas.openxmlformats.org/presentationml/2006/main">
-  <p:cSld>
-    <p:spTree>
-      <p:nvGrpSpPr>
-        <p:cNvPr id="1" name=""/>
-        <p:cNvGrpSpPr/>
-        <p:nvPr/>
-      </p:nvGrpSpPr>
-      <p:grpSpPr>
-        <a:xfrm>
-          <a:off x="0" y="0"/>
-          <a:ext cx="0" cy="0"/>
-          <a:chOff x="0" y="0"/>
-          <a:chExt cx="0" cy="0"/>
-        </a:xfrm>
-      </p:grpSpPr>
-    </p:spTree>
-    <p:extLst>
-      <p:ext uri="{BB962C8B-B14F-4D97-AF65-F5344CB8AC3E}">
-        <p14:creationId xmlns:p14="http://schemas.microsoft.com/office/powerpoint/2010/main" val="2236869463"/>
-      </p:ext>
-    </p:extLst>
-  </p:cSld>
-  <p:clrMapOvr>
-    <a:masterClrMapping/>
-  </p:clrMapOvr>
-</p:sld>
-</file>
-
-<file path=ppt/slides/slide3.xml><?xml version="1.0" encoding="utf-8"?>
+<file path=ppt/slides/slide4.xml><?xml version="1.0" encoding="utf-8"?>
 <p:sld xmlns:a="http://schemas.openxmlformats.org/drawingml/2006/main" xmlns:r="http://schemas.openxmlformats.org/officeDocument/2006/relationships" xmlns:p="http://schemas.openxmlformats.org/presentationml/2006/main">
   <p:cSld>
     <p:spTree>
@@ -6213,7 +7506,7 @@
 </p:sld>
 </file>
 
-<file path=ppt/slides/slide4.xml><?xml version="1.0" encoding="utf-8"?>
+<file path=ppt/slides/slide5.xml><?xml version="1.0" encoding="utf-8"?>
 <p:sld xmlns:a="http://schemas.openxmlformats.org/drawingml/2006/main" xmlns:r="http://schemas.openxmlformats.org/officeDocument/2006/relationships" xmlns:p="http://schemas.openxmlformats.org/presentationml/2006/main">
   <p:cSld>
     <p:spTree>
